--- a/domain model.pptx
+++ b/domain model.pptx
@@ -104,6 +104,11 @@
       </a:defRPr>
     </a:lvl9pPr>
   </p:defaultTextStyle>
+  <p:extLst>
+    <p:ext uri="{EFAFB233-063F-42B5-8137-9DF3F51BA10A}">
+      <p15:sldGuideLst xmlns:p15="http://schemas.microsoft.com/office/powerpoint/2012/main"/>
+    </p:ext>
+  </p:extLst>
 </p:presentation>
 </file>
 
@@ -3406,172 +3411,6 @@
       </p:graphicFrame>
       <p:graphicFrame>
         <p:nvGraphicFramePr>
-          <p:cNvPr id="5" name="표 4">
-            <a:extLst>
-              <a:ext uri="{FF2B5EF4-FFF2-40B4-BE49-F238E27FC236}">
-                <a16:creationId xmlns:a16="http://schemas.microsoft.com/office/drawing/2014/main" id="{5D6BD6F2-1D97-4F32-990D-D740CAD1695D}"/>
-              </a:ext>
-            </a:extLst>
-          </p:cNvPr>
-          <p:cNvGraphicFramePr>
-            <a:graphicFrameLocks noGrp="1"/>
-          </p:cNvGraphicFramePr>
-          <p:nvPr>
-            <p:extLst>
-              <p:ext uri="{D42A27DB-BD31-4B8C-83A1-F6EECF244321}">
-                <p14:modId xmlns:p14="http://schemas.microsoft.com/office/powerpoint/2010/main" val="691933403"/>
-              </p:ext>
-            </p:extLst>
-          </p:nvPr>
-        </p:nvGraphicFramePr>
-        <p:xfrm>
-          <a:off x="375699" y="528745"/>
-          <a:ext cx="1634477" cy="888072"/>
-        </p:xfrm>
-        <a:graphic>
-          <a:graphicData uri="http://schemas.openxmlformats.org/drawingml/2006/table">
-            <a:tbl>
-              <a:tblPr firstRow="1" bandRow="1">
-                <a:tableStyleId>{5C22544A-7EE6-4342-B048-85BDC9FD1C3A}</a:tableStyleId>
-              </a:tblPr>
-              <a:tblGrid>
-                <a:gridCol w="1634477">
-                  <a:extLst>
-                    <a:ext uri="{9D8B030D-6E8A-4147-A177-3AD203B41FA5}">
-                      <a16:colId xmlns:a16="http://schemas.microsoft.com/office/drawing/2014/main" val="3048393067"/>
-                    </a:ext>
-                  </a:extLst>
-                </a:gridCol>
-              </a:tblGrid>
-              <a:tr h="444036">
-                <a:tc>
-                  <a:txBody>
-                    <a:bodyPr/>
-                    <a:lstStyle/>
-                    <a:p>
-                      <a:pPr algn="ctr" latinLnBrk="1"/>
-                      <a:r>
-                        <a:rPr lang="en-US" altLang="ko-KR" dirty="0" err="1"/>
-                        <a:t>GUI_main</a:t>
-                      </a:r>
-                      <a:endParaRPr lang="ko-KR" altLang="en-US" dirty="0"/>
-                    </a:p>
-                  </a:txBody>
-                  <a:tcPr/>
-                </a:tc>
-                <a:extLst>
-                  <a:ext uri="{0D108BD9-81ED-4DB2-BD59-A6C34878D82A}">
-                    <a16:rowId xmlns:a16="http://schemas.microsoft.com/office/drawing/2014/main" val="406888913"/>
-                  </a:ext>
-                </a:extLst>
-              </a:tr>
-              <a:tr h="444036">
-                <a:tc>
-                  <a:txBody>
-                    <a:bodyPr/>
-                    <a:lstStyle/>
-                    <a:p>
-                      <a:pPr algn="ctr" latinLnBrk="1"/>
-                      <a:endParaRPr lang="ko-KR" altLang="en-US" dirty="0"/>
-                    </a:p>
-                  </a:txBody>
-                  <a:tcPr/>
-                </a:tc>
-                <a:extLst>
-                  <a:ext uri="{0D108BD9-81ED-4DB2-BD59-A6C34878D82A}">
-                    <a16:rowId xmlns:a16="http://schemas.microsoft.com/office/drawing/2014/main" val="2716664420"/>
-                  </a:ext>
-                </a:extLst>
-              </a:tr>
-            </a:tbl>
-          </a:graphicData>
-        </a:graphic>
-      </p:graphicFrame>
-      <p:graphicFrame>
-        <p:nvGraphicFramePr>
-          <p:cNvPr id="6" name="표 5">
-            <a:extLst>
-              <a:ext uri="{FF2B5EF4-FFF2-40B4-BE49-F238E27FC236}">
-                <a16:creationId xmlns:a16="http://schemas.microsoft.com/office/drawing/2014/main" id="{E73BAB0B-1057-4678-BE35-033A5FF505F6}"/>
-              </a:ext>
-            </a:extLst>
-          </p:cNvPr>
-          <p:cNvGraphicFramePr>
-            <a:graphicFrameLocks noGrp="1"/>
-          </p:cNvGraphicFramePr>
-          <p:nvPr>
-            <p:extLst>
-              <p:ext uri="{D42A27DB-BD31-4B8C-83A1-F6EECF244321}">
-                <p14:modId xmlns:p14="http://schemas.microsoft.com/office/powerpoint/2010/main" val="3025087556"/>
-              </p:ext>
-            </p:extLst>
-          </p:nvPr>
-        </p:nvGraphicFramePr>
-        <p:xfrm>
-          <a:off x="375699" y="2077866"/>
-          <a:ext cx="1634477" cy="888072"/>
-        </p:xfrm>
-        <a:graphic>
-          <a:graphicData uri="http://schemas.openxmlformats.org/drawingml/2006/table">
-            <a:tbl>
-              <a:tblPr firstRow="1" bandRow="1">
-                <a:tableStyleId>{5C22544A-7EE6-4342-B048-85BDC9FD1C3A}</a:tableStyleId>
-              </a:tblPr>
-              <a:tblGrid>
-                <a:gridCol w="1634477">
-                  <a:extLst>
-                    <a:ext uri="{9D8B030D-6E8A-4147-A177-3AD203B41FA5}">
-                      <a16:colId xmlns:a16="http://schemas.microsoft.com/office/drawing/2014/main" val="3048393067"/>
-                    </a:ext>
-                  </a:extLst>
-                </a:gridCol>
-              </a:tblGrid>
-              <a:tr h="444036">
-                <a:tc>
-                  <a:txBody>
-                    <a:bodyPr/>
-                    <a:lstStyle/>
-                    <a:p>
-                      <a:pPr algn="ctr" latinLnBrk="1"/>
-                      <a:r>
-                        <a:rPr lang="en-US" altLang="ko-KR" sz="1400" dirty="0" err="1"/>
-                        <a:t>GUI_PlaySetting</a:t>
-                      </a:r>
-                      <a:endParaRPr lang="ko-KR" altLang="en-US" sz="1400" dirty="0"/>
-                    </a:p>
-                  </a:txBody>
-                  <a:tcPr/>
-                </a:tc>
-                <a:extLst>
-                  <a:ext uri="{0D108BD9-81ED-4DB2-BD59-A6C34878D82A}">
-                    <a16:rowId xmlns:a16="http://schemas.microsoft.com/office/drawing/2014/main" val="406888913"/>
-                  </a:ext>
-                </a:extLst>
-              </a:tr>
-              <a:tr h="444036">
-                <a:tc>
-                  <a:txBody>
-                    <a:bodyPr/>
-                    <a:lstStyle/>
-                    <a:p>
-                      <a:pPr algn="ctr" latinLnBrk="1"/>
-                      <a:endParaRPr lang="ko-KR" altLang="en-US" sz="1400" dirty="0"/>
-                    </a:p>
-                  </a:txBody>
-                  <a:tcPr/>
-                </a:tc>
-                <a:extLst>
-                  <a:ext uri="{0D108BD9-81ED-4DB2-BD59-A6C34878D82A}">
-                    <a16:rowId xmlns:a16="http://schemas.microsoft.com/office/drawing/2014/main" val="2716664420"/>
-                  </a:ext>
-                </a:extLst>
-              </a:tr>
-            </a:tbl>
-          </a:graphicData>
-        </a:graphic>
-      </p:graphicFrame>
-      <p:graphicFrame>
-        <p:nvGraphicFramePr>
           <p:cNvPr id="7" name="표 6">
             <a:extLst>
               <a:ext uri="{FF2B5EF4-FFF2-40B4-BE49-F238E27FC236}">
@@ -4153,89 +3992,6 @@
       </p:graphicFrame>
       <p:graphicFrame>
         <p:nvGraphicFramePr>
-          <p:cNvPr id="14" name="표 13">
-            <a:extLst>
-              <a:ext uri="{FF2B5EF4-FFF2-40B4-BE49-F238E27FC236}">
-                <a16:creationId xmlns:a16="http://schemas.microsoft.com/office/drawing/2014/main" id="{F2823F80-5B2D-459D-8C59-BDB1C6B0ADA2}"/>
-              </a:ext>
-            </a:extLst>
-          </p:cNvPr>
-          <p:cNvGraphicFramePr>
-            <a:graphicFrameLocks noGrp="1"/>
-          </p:cNvGraphicFramePr>
-          <p:nvPr>
-            <p:extLst>
-              <p:ext uri="{D42A27DB-BD31-4B8C-83A1-F6EECF244321}">
-                <p14:modId xmlns:p14="http://schemas.microsoft.com/office/powerpoint/2010/main" val="2044352365"/>
-              </p:ext>
-            </p:extLst>
-          </p:nvPr>
-        </p:nvGraphicFramePr>
-        <p:xfrm>
-          <a:off x="10290911" y="514879"/>
-          <a:ext cx="1634477" cy="888072"/>
-        </p:xfrm>
-        <a:graphic>
-          <a:graphicData uri="http://schemas.openxmlformats.org/drawingml/2006/table">
-            <a:tbl>
-              <a:tblPr firstRow="1" bandRow="1">
-                <a:tableStyleId>{5C22544A-7EE6-4342-B048-85BDC9FD1C3A}</a:tableStyleId>
-              </a:tblPr>
-              <a:tblGrid>
-                <a:gridCol w="1634477">
-                  <a:extLst>
-                    <a:ext uri="{9D8B030D-6E8A-4147-A177-3AD203B41FA5}">
-                      <a16:colId xmlns:a16="http://schemas.microsoft.com/office/drawing/2014/main" val="3048393067"/>
-                    </a:ext>
-                  </a:extLst>
-                </a:gridCol>
-              </a:tblGrid>
-              <a:tr h="444036">
-                <a:tc>
-                  <a:txBody>
-                    <a:bodyPr/>
-                    <a:lstStyle/>
-                    <a:p>
-                      <a:pPr algn="ctr" latinLnBrk="1"/>
-                      <a:r>
-                        <a:rPr lang="en-US" altLang="ko-KR" dirty="0" err="1"/>
-                        <a:t>ButtonPan</a:t>
-                      </a:r>
-                      <a:endParaRPr lang="ko-KR" altLang="en-US" dirty="0"/>
-                    </a:p>
-                  </a:txBody>
-                  <a:tcPr/>
-                </a:tc>
-                <a:extLst>
-                  <a:ext uri="{0D108BD9-81ED-4DB2-BD59-A6C34878D82A}">
-                    <a16:rowId xmlns:a16="http://schemas.microsoft.com/office/drawing/2014/main" val="406888913"/>
-                  </a:ext>
-                </a:extLst>
-              </a:tr>
-              <a:tr h="444036">
-                <a:tc>
-                  <a:txBody>
-                    <a:bodyPr/>
-                    <a:lstStyle/>
-                    <a:p>
-                      <a:pPr algn="ctr" latinLnBrk="1"/>
-                      <a:endParaRPr lang="ko-KR" altLang="en-US" dirty="0"/>
-                    </a:p>
-                  </a:txBody>
-                  <a:tcPr/>
-                </a:tc>
-                <a:extLst>
-                  <a:ext uri="{0D108BD9-81ED-4DB2-BD59-A6C34878D82A}">
-                    <a16:rowId xmlns:a16="http://schemas.microsoft.com/office/drawing/2014/main" val="2716664420"/>
-                  </a:ext>
-                </a:extLst>
-              </a:tr>
-            </a:tbl>
-          </a:graphicData>
-        </a:graphic>
-      </p:graphicFrame>
-      <p:graphicFrame>
-        <p:nvGraphicFramePr>
           <p:cNvPr id="15" name="표 14">
             <a:extLst>
               <a:ext uri="{FF2B5EF4-FFF2-40B4-BE49-F238E27FC236}">
@@ -4317,428 +4073,6 @@
           </a:graphicData>
         </a:graphic>
       </p:graphicFrame>
-      <p:graphicFrame>
-        <p:nvGraphicFramePr>
-          <p:cNvPr id="16" name="표 15">
-            <a:extLst>
-              <a:ext uri="{FF2B5EF4-FFF2-40B4-BE49-F238E27FC236}">
-                <a16:creationId xmlns:a16="http://schemas.microsoft.com/office/drawing/2014/main" id="{B9897405-597E-424B-A3BE-3EC2AF6771F3}"/>
-              </a:ext>
-            </a:extLst>
-          </p:cNvPr>
-          <p:cNvGraphicFramePr>
-            <a:graphicFrameLocks noGrp="1"/>
-          </p:cNvGraphicFramePr>
-          <p:nvPr>
-            <p:extLst>
-              <p:ext uri="{D42A27DB-BD31-4B8C-83A1-F6EECF244321}">
-                <p14:modId xmlns:p14="http://schemas.microsoft.com/office/powerpoint/2010/main" val="3203843938"/>
-              </p:ext>
-            </p:extLst>
-          </p:nvPr>
-        </p:nvGraphicFramePr>
-        <p:xfrm>
-          <a:off x="10289076" y="3353696"/>
-          <a:ext cx="1634477" cy="888072"/>
-        </p:xfrm>
-        <a:graphic>
-          <a:graphicData uri="http://schemas.openxmlformats.org/drawingml/2006/table">
-            <a:tbl>
-              <a:tblPr firstRow="1" bandRow="1">
-                <a:tableStyleId>{5C22544A-7EE6-4342-B048-85BDC9FD1C3A}</a:tableStyleId>
-              </a:tblPr>
-              <a:tblGrid>
-                <a:gridCol w="1634477">
-                  <a:extLst>
-                    <a:ext uri="{9D8B030D-6E8A-4147-A177-3AD203B41FA5}">
-                      <a16:colId xmlns:a16="http://schemas.microsoft.com/office/drawing/2014/main" val="3048393067"/>
-                    </a:ext>
-                  </a:extLst>
-                </a:gridCol>
-              </a:tblGrid>
-              <a:tr h="444036">
-                <a:tc>
-                  <a:txBody>
-                    <a:bodyPr/>
-                    <a:lstStyle/>
-                    <a:p>
-                      <a:pPr algn="ctr" latinLnBrk="1"/>
-                      <a:r>
-                        <a:rPr lang="en-US" altLang="ko-KR" dirty="0"/>
-                        <a:t>YP</a:t>
-                      </a:r>
-                      <a:endParaRPr lang="ko-KR" altLang="en-US" dirty="0"/>
-                    </a:p>
-                  </a:txBody>
-                  <a:tcPr/>
-                </a:tc>
-                <a:extLst>
-                  <a:ext uri="{0D108BD9-81ED-4DB2-BD59-A6C34878D82A}">
-                    <a16:rowId xmlns:a16="http://schemas.microsoft.com/office/drawing/2014/main" val="406888913"/>
-                  </a:ext>
-                </a:extLst>
-              </a:tr>
-              <a:tr h="444036">
-                <a:tc>
-                  <a:txBody>
-                    <a:bodyPr/>
-                    <a:lstStyle/>
-                    <a:p>
-                      <a:pPr algn="ctr" latinLnBrk="1"/>
-                      <a:endParaRPr lang="ko-KR" altLang="en-US" dirty="0"/>
-                    </a:p>
-                  </a:txBody>
-                  <a:tcPr/>
-                </a:tc>
-                <a:extLst>
-                  <a:ext uri="{0D108BD9-81ED-4DB2-BD59-A6C34878D82A}">
-                    <a16:rowId xmlns:a16="http://schemas.microsoft.com/office/drawing/2014/main" val="2716664420"/>
-                  </a:ext>
-                </a:extLst>
-              </a:tr>
-            </a:tbl>
-          </a:graphicData>
-        </a:graphic>
-      </p:graphicFrame>
-      <p:graphicFrame>
-        <p:nvGraphicFramePr>
-          <p:cNvPr id="17" name="표 16">
-            <a:extLst>
-              <a:ext uri="{FF2B5EF4-FFF2-40B4-BE49-F238E27FC236}">
-                <a16:creationId xmlns:a16="http://schemas.microsoft.com/office/drawing/2014/main" id="{69744431-E063-4054-BEE5-05B28A21C974}"/>
-              </a:ext>
-            </a:extLst>
-          </p:cNvPr>
-          <p:cNvGraphicFramePr>
-            <a:graphicFrameLocks noGrp="1"/>
-          </p:cNvGraphicFramePr>
-          <p:nvPr>
-            <p:extLst>
-              <p:ext uri="{D42A27DB-BD31-4B8C-83A1-F6EECF244321}">
-                <p14:modId xmlns:p14="http://schemas.microsoft.com/office/powerpoint/2010/main" val="4177185334"/>
-              </p:ext>
-            </p:extLst>
-          </p:nvPr>
-        </p:nvGraphicFramePr>
-        <p:xfrm>
-          <a:off x="10289075" y="2077866"/>
-          <a:ext cx="1634477" cy="888072"/>
-        </p:xfrm>
-        <a:graphic>
-          <a:graphicData uri="http://schemas.openxmlformats.org/drawingml/2006/table">
-            <a:tbl>
-              <a:tblPr firstRow="1" bandRow="1">
-                <a:tableStyleId>{5C22544A-7EE6-4342-B048-85BDC9FD1C3A}</a:tableStyleId>
-              </a:tblPr>
-              <a:tblGrid>
-                <a:gridCol w="1634477">
-                  <a:extLst>
-                    <a:ext uri="{9D8B030D-6E8A-4147-A177-3AD203B41FA5}">
-                      <a16:colId xmlns:a16="http://schemas.microsoft.com/office/drawing/2014/main" val="3048393067"/>
-                    </a:ext>
-                  </a:extLst>
-                </a:gridCol>
-              </a:tblGrid>
-              <a:tr h="444036">
-                <a:tc>
-                  <a:txBody>
-                    <a:bodyPr/>
-                    <a:lstStyle/>
-                    <a:p>
-                      <a:pPr algn="ctr" latinLnBrk="1"/>
-                      <a:r>
-                        <a:rPr lang="en-US" altLang="ko-KR" dirty="0"/>
-                        <a:t>BYP</a:t>
-                      </a:r>
-                      <a:endParaRPr lang="ko-KR" altLang="en-US" dirty="0"/>
-                    </a:p>
-                  </a:txBody>
-                  <a:tcPr/>
-                </a:tc>
-                <a:extLst>
-                  <a:ext uri="{0D108BD9-81ED-4DB2-BD59-A6C34878D82A}">
-                    <a16:rowId xmlns:a16="http://schemas.microsoft.com/office/drawing/2014/main" val="406888913"/>
-                  </a:ext>
-                </a:extLst>
-              </a:tr>
-              <a:tr h="444036">
-                <a:tc>
-                  <a:txBody>
-                    <a:bodyPr/>
-                    <a:lstStyle/>
-                    <a:p>
-                      <a:pPr algn="ctr" latinLnBrk="1"/>
-                      <a:endParaRPr lang="ko-KR" altLang="en-US" dirty="0"/>
-                    </a:p>
-                  </a:txBody>
-                  <a:tcPr/>
-                </a:tc>
-                <a:extLst>
-                  <a:ext uri="{0D108BD9-81ED-4DB2-BD59-A6C34878D82A}">
-                    <a16:rowId xmlns:a16="http://schemas.microsoft.com/office/drawing/2014/main" val="2716664420"/>
-                  </a:ext>
-                </a:extLst>
-              </a:tr>
-            </a:tbl>
-          </a:graphicData>
-        </a:graphic>
-      </p:graphicFrame>
-      <p:graphicFrame>
-        <p:nvGraphicFramePr>
-          <p:cNvPr id="18" name="표 17">
-            <a:extLst>
-              <a:ext uri="{FF2B5EF4-FFF2-40B4-BE49-F238E27FC236}">
-                <a16:creationId xmlns:a16="http://schemas.microsoft.com/office/drawing/2014/main" id="{A5C45D8C-3DD4-4FD2-9AB6-B94ACCE1BA7D}"/>
-              </a:ext>
-            </a:extLst>
-          </p:cNvPr>
-          <p:cNvGraphicFramePr>
-            <a:graphicFrameLocks noGrp="1"/>
-          </p:cNvGraphicFramePr>
-          <p:nvPr>
-            <p:extLst>
-              <p:ext uri="{D42A27DB-BD31-4B8C-83A1-F6EECF244321}">
-                <p14:modId xmlns:p14="http://schemas.microsoft.com/office/powerpoint/2010/main" val="1036408924"/>
-              </p:ext>
-            </p:extLst>
-          </p:nvPr>
-        </p:nvGraphicFramePr>
-        <p:xfrm>
-          <a:off x="10289074" y="4570601"/>
-          <a:ext cx="1634477" cy="888072"/>
-        </p:xfrm>
-        <a:graphic>
-          <a:graphicData uri="http://schemas.openxmlformats.org/drawingml/2006/table">
-            <a:tbl>
-              <a:tblPr firstRow="1" bandRow="1">
-                <a:tableStyleId>{5C22544A-7EE6-4342-B048-85BDC9FD1C3A}</a:tableStyleId>
-              </a:tblPr>
-              <a:tblGrid>
-                <a:gridCol w="1634477">
-                  <a:extLst>
-                    <a:ext uri="{9D8B030D-6E8A-4147-A177-3AD203B41FA5}">
-                      <a16:colId xmlns:a16="http://schemas.microsoft.com/office/drawing/2014/main" val="3048393067"/>
-                    </a:ext>
-                  </a:extLst>
-                </a:gridCol>
-              </a:tblGrid>
-              <a:tr h="444036">
-                <a:tc>
-                  <a:txBody>
-                    <a:bodyPr/>
-                    <a:lstStyle/>
-                    <a:p>
-                      <a:pPr algn="ctr" latinLnBrk="1"/>
-                      <a:r>
-                        <a:rPr lang="en-US" altLang="ko-KR" dirty="0" err="1"/>
-                        <a:t>PanButton</a:t>
-                      </a:r>
-                      <a:endParaRPr lang="ko-KR" altLang="en-US" dirty="0"/>
-                    </a:p>
-                  </a:txBody>
-                  <a:tcPr/>
-                </a:tc>
-                <a:extLst>
-                  <a:ext uri="{0D108BD9-81ED-4DB2-BD59-A6C34878D82A}">
-                    <a16:rowId xmlns:a16="http://schemas.microsoft.com/office/drawing/2014/main" val="406888913"/>
-                  </a:ext>
-                </a:extLst>
-              </a:tr>
-              <a:tr h="444036">
-                <a:tc>
-                  <a:txBody>
-                    <a:bodyPr/>
-                    <a:lstStyle/>
-                    <a:p>
-                      <a:pPr algn="ctr" latinLnBrk="1"/>
-                      <a:endParaRPr lang="ko-KR" altLang="en-US" dirty="0"/>
-                    </a:p>
-                  </a:txBody>
-                  <a:tcPr/>
-                </a:tc>
-                <a:extLst>
-                  <a:ext uri="{0D108BD9-81ED-4DB2-BD59-A6C34878D82A}">
-                    <a16:rowId xmlns:a16="http://schemas.microsoft.com/office/drawing/2014/main" val="2716664420"/>
-                  </a:ext>
-                </a:extLst>
-              </a:tr>
-            </a:tbl>
-          </a:graphicData>
-        </a:graphic>
-      </p:graphicFrame>
-      <p:graphicFrame>
-        <p:nvGraphicFramePr>
-          <p:cNvPr id="19" name="표 18">
-            <a:extLst>
-              <a:ext uri="{FF2B5EF4-FFF2-40B4-BE49-F238E27FC236}">
-                <a16:creationId xmlns:a16="http://schemas.microsoft.com/office/drawing/2014/main" id="{F47BB874-70C5-47B9-B1EF-7B6E7B7DAF3F}"/>
-              </a:ext>
-            </a:extLst>
-          </p:cNvPr>
-          <p:cNvGraphicFramePr>
-            <a:graphicFrameLocks noGrp="1"/>
-          </p:cNvGraphicFramePr>
-          <p:nvPr>
-            <p:extLst>
-              <p:ext uri="{D42A27DB-BD31-4B8C-83A1-F6EECF244321}">
-                <p14:modId xmlns:p14="http://schemas.microsoft.com/office/powerpoint/2010/main" val="699693823"/>
-              </p:ext>
-            </p:extLst>
-          </p:nvPr>
-        </p:nvGraphicFramePr>
-        <p:xfrm>
-          <a:off x="10289074" y="5748477"/>
-          <a:ext cx="1634477" cy="888072"/>
-        </p:xfrm>
-        <a:graphic>
-          <a:graphicData uri="http://schemas.openxmlformats.org/drawingml/2006/table">
-            <a:tbl>
-              <a:tblPr firstRow="1" bandRow="1">
-                <a:tableStyleId>{5C22544A-7EE6-4342-B048-85BDC9FD1C3A}</a:tableStyleId>
-              </a:tblPr>
-              <a:tblGrid>
-                <a:gridCol w="1634477">
-                  <a:extLst>
-                    <a:ext uri="{9D8B030D-6E8A-4147-A177-3AD203B41FA5}">
-                      <a16:colId xmlns:a16="http://schemas.microsoft.com/office/drawing/2014/main" val="3048393067"/>
-                    </a:ext>
-                  </a:extLst>
-                </a:gridCol>
-              </a:tblGrid>
-              <a:tr h="444036">
-                <a:tc>
-                  <a:txBody>
-                    <a:bodyPr/>
-                    <a:lstStyle/>
-                    <a:p>
-                      <a:pPr algn="ctr" latinLnBrk="1"/>
-                      <a:r>
-                        <a:rPr lang="en-US" altLang="ko-KR" dirty="0" err="1"/>
-                        <a:t>GUI_YutPan</a:t>
-                      </a:r>
-                      <a:endParaRPr lang="ko-KR" altLang="en-US" dirty="0"/>
-                    </a:p>
-                  </a:txBody>
-                  <a:tcPr/>
-                </a:tc>
-                <a:extLst>
-                  <a:ext uri="{0D108BD9-81ED-4DB2-BD59-A6C34878D82A}">
-                    <a16:rowId xmlns:a16="http://schemas.microsoft.com/office/drawing/2014/main" val="406888913"/>
-                  </a:ext>
-                </a:extLst>
-              </a:tr>
-              <a:tr h="444036">
-                <a:tc>
-                  <a:txBody>
-                    <a:bodyPr/>
-                    <a:lstStyle/>
-                    <a:p>
-                      <a:pPr algn="ctr" latinLnBrk="1"/>
-                      <a:endParaRPr lang="ko-KR" altLang="en-US" dirty="0"/>
-                    </a:p>
-                  </a:txBody>
-                  <a:tcPr/>
-                </a:tc>
-                <a:extLst>
-                  <a:ext uri="{0D108BD9-81ED-4DB2-BD59-A6C34878D82A}">
-                    <a16:rowId xmlns:a16="http://schemas.microsoft.com/office/drawing/2014/main" val="2716664420"/>
-                  </a:ext>
-                </a:extLst>
-              </a:tr>
-            </a:tbl>
-          </a:graphicData>
-        </a:graphic>
-      </p:graphicFrame>
-      <p:cxnSp>
-        <p:nvCxnSpPr>
-          <p:cNvPr id="21" name="직선 화살표 연결선 20">
-            <a:extLst>
-              <a:ext uri="{FF2B5EF4-FFF2-40B4-BE49-F238E27FC236}">
-                <a16:creationId xmlns:a16="http://schemas.microsoft.com/office/drawing/2014/main" id="{4469EBCC-DAC7-4F78-A769-14A9A93D1635}"/>
-              </a:ext>
-            </a:extLst>
-          </p:cNvPr>
-          <p:cNvCxnSpPr>
-            <a:endCxn id="4" idx="1"/>
-          </p:cNvCxnSpPr>
-          <p:nvPr/>
-        </p:nvCxnSpPr>
-        <p:spPr>
-          <a:xfrm flipV="1">
-            <a:off x="2010176" y="958915"/>
-            <a:ext cx="927016" cy="13866"/>
-          </a:xfrm>
-          <a:prstGeom prst="straightConnector1">
-            <a:avLst/>
-          </a:prstGeom>
-          <a:ln w="19050">
-            <a:solidFill>
-              <a:schemeClr val="tx1"/>
-            </a:solidFill>
-            <a:prstDash val="sysDash"/>
-            <a:tailEnd type="arrow"/>
-          </a:ln>
-        </p:spPr>
-        <p:style>
-          <a:lnRef idx="1">
-            <a:schemeClr val="accent1"/>
-          </a:lnRef>
-          <a:fillRef idx="0">
-            <a:schemeClr val="accent1"/>
-          </a:fillRef>
-          <a:effectRef idx="0">
-            <a:schemeClr val="accent1"/>
-          </a:effectRef>
-          <a:fontRef idx="minor">
-            <a:schemeClr val="tx1"/>
-          </a:fontRef>
-        </p:style>
-      </p:cxnSp>
-      <p:cxnSp>
-        <p:nvCxnSpPr>
-          <p:cNvPr id="23" name="직선 화살표 연결선 22">
-            <a:extLst>
-              <a:ext uri="{FF2B5EF4-FFF2-40B4-BE49-F238E27FC236}">
-                <a16:creationId xmlns:a16="http://schemas.microsoft.com/office/drawing/2014/main" id="{2D0C9DB4-A026-414D-8325-B85F92289E17}"/>
-              </a:ext>
-            </a:extLst>
-          </p:cNvPr>
-          <p:cNvCxnSpPr>
-            <a:endCxn id="6" idx="3"/>
-          </p:cNvCxnSpPr>
-          <p:nvPr/>
-        </p:nvCxnSpPr>
-        <p:spPr>
-          <a:xfrm flipH="1">
-            <a:off x="2010176" y="965848"/>
-            <a:ext cx="927016" cy="1556054"/>
-          </a:xfrm>
-          <a:prstGeom prst="straightConnector1">
-            <a:avLst/>
-          </a:prstGeom>
-          <a:ln w="19050">
-            <a:solidFill>
-              <a:schemeClr val="tx1"/>
-            </a:solidFill>
-            <a:prstDash val="sysDash"/>
-            <a:tailEnd type="arrow"/>
-          </a:ln>
-        </p:spPr>
-        <p:style>
-          <a:lnRef idx="1">
-            <a:schemeClr val="accent1"/>
-          </a:lnRef>
-          <a:fillRef idx="0">
-            <a:schemeClr val="accent1"/>
-          </a:fillRef>
-          <a:effectRef idx="0">
-            <a:schemeClr val="accent1"/>
-          </a:effectRef>
-          <a:fontRef idx="minor">
-            <a:schemeClr val="tx1"/>
-          </a:fontRef>
-        </p:style>
-      </p:cxnSp>
       <p:cxnSp>
         <p:nvCxnSpPr>
           <p:cNvPr id="25" name="직선 화살표 연결선 24">
@@ -5129,219 +4463,6 @@
           </a:fontRef>
         </p:style>
       </p:cxnSp>
-      <p:cxnSp>
-        <p:nvCxnSpPr>
-          <p:cNvPr id="47" name="직선 연결선 46">
-            <a:extLst>
-              <a:ext uri="{FF2B5EF4-FFF2-40B4-BE49-F238E27FC236}">
-                <a16:creationId xmlns:a16="http://schemas.microsoft.com/office/drawing/2014/main" id="{326E2236-492D-48DA-A000-AD48CD82939B}"/>
-              </a:ext>
-            </a:extLst>
-          </p:cNvPr>
-          <p:cNvCxnSpPr>
-            <a:endCxn id="14" idx="1"/>
-          </p:cNvCxnSpPr>
-          <p:nvPr/>
-        </p:nvCxnSpPr>
-        <p:spPr>
-          <a:xfrm flipV="1">
-            <a:off x="9796880" y="958915"/>
-            <a:ext cx="494031" cy="13866"/>
-          </a:xfrm>
-          <a:prstGeom prst="line">
-            <a:avLst/>
-          </a:prstGeom>
-          <a:ln w="19050">
-            <a:solidFill>
-              <a:schemeClr val="tx1"/>
-            </a:solidFill>
-          </a:ln>
-        </p:spPr>
-        <p:style>
-          <a:lnRef idx="1">
-            <a:schemeClr val="accent1"/>
-          </a:lnRef>
-          <a:fillRef idx="0">
-            <a:schemeClr val="accent1"/>
-          </a:fillRef>
-          <a:effectRef idx="0">
-            <a:schemeClr val="accent1"/>
-          </a:effectRef>
-          <a:fontRef idx="minor">
-            <a:schemeClr val="tx1"/>
-          </a:fontRef>
-        </p:style>
-      </p:cxnSp>
-      <p:cxnSp>
-        <p:nvCxnSpPr>
-          <p:cNvPr id="52" name="직선 화살표 연결선 51">
-            <a:extLst>
-              <a:ext uri="{FF2B5EF4-FFF2-40B4-BE49-F238E27FC236}">
-                <a16:creationId xmlns:a16="http://schemas.microsoft.com/office/drawing/2014/main" id="{C4043A31-43B9-43B5-AF94-51555ED2691E}"/>
-              </a:ext>
-            </a:extLst>
-          </p:cNvPr>
-          <p:cNvCxnSpPr>
-            <a:endCxn id="16" idx="1"/>
-          </p:cNvCxnSpPr>
-          <p:nvPr/>
-        </p:nvCxnSpPr>
-        <p:spPr>
-          <a:xfrm>
-            <a:off x="9796880" y="3797732"/>
-            <a:ext cx="492196" cy="0"/>
-          </a:xfrm>
-          <a:prstGeom prst="straightConnector1">
-            <a:avLst/>
-          </a:prstGeom>
-          <a:ln w="19050">
-            <a:solidFill>
-              <a:schemeClr val="tx1"/>
-            </a:solidFill>
-            <a:tailEnd type="arrow"/>
-          </a:ln>
-        </p:spPr>
-        <p:style>
-          <a:lnRef idx="1">
-            <a:schemeClr val="accent1"/>
-          </a:lnRef>
-          <a:fillRef idx="0">
-            <a:schemeClr val="accent1"/>
-          </a:fillRef>
-          <a:effectRef idx="0">
-            <a:schemeClr val="accent1"/>
-          </a:effectRef>
-          <a:fontRef idx="minor">
-            <a:schemeClr val="tx1"/>
-          </a:fontRef>
-        </p:style>
-      </p:cxnSp>
-      <p:cxnSp>
-        <p:nvCxnSpPr>
-          <p:cNvPr id="56" name="직선 화살표 연결선 55">
-            <a:extLst>
-              <a:ext uri="{FF2B5EF4-FFF2-40B4-BE49-F238E27FC236}">
-                <a16:creationId xmlns:a16="http://schemas.microsoft.com/office/drawing/2014/main" id="{7F5D5264-42C0-4297-BA9D-90C5414027B4}"/>
-              </a:ext>
-            </a:extLst>
-          </p:cNvPr>
-          <p:cNvCxnSpPr/>
-          <p:nvPr/>
-        </p:nvCxnSpPr>
-        <p:spPr>
-          <a:xfrm>
-            <a:off x="9796880" y="3797732"/>
-            <a:ext cx="492194" cy="1950745"/>
-          </a:xfrm>
-          <a:prstGeom prst="straightConnector1">
-            <a:avLst/>
-          </a:prstGeom>
-          <a:ln w="19050">
-            <a:solidFill>
-              <a:schemeClr val="tx1"/>
-            </a:solidFill>
-            <a:tailEnd type="arrow"/>
-          </a:ln>
-        </p:spPr>
-        <p:style>
-          <a:lnRef idx="1">
-            <a:schemeClr val="accent1"/>
-          </a:lnRef>
-          <a:fillRef idx="0">
-            <a:schemeClr val="accent1"/>
-          </a:fillRef>
-          <a:effectRef idx="0">
-            <a:schemeClr val="accent1"/>
-          </a:effectRef>
-          <a:fontRef idx="minor">
-            <a:schemeClr val="tx1"/>
-          </a:fontRef>
-        </p:style>
-      </p:cxnSp>
-      <p:cxnSp>
-        <p:nvCxnSpPr>
-          <p:cNvPr id="58" name="직선 화살표 연결선 57">
-            <a:extLst>
-              <a:ext uri="{FF2B5EF4-FFF2-40B4-BE49-F238E27FC236}">
-                <a16:creationId xmlns:a16="http://schemas.microsoft.com/office/drawing/2014/main" id="{62FFBEA7-D0DB-4838-B44E-438B004DB284}"/>
-              </a:ext>
-            </a:extLst>
-          </p:cNvPr>
-          <p:cNvCxnSpPr/>
-          <p:nvPr/>
-        </p:nvCxnSpPr>
-        <p:spPr>
-          <a:xfrm>
-            <a:off x="9815539" y="3797732"/>
-            <a:ext cx="473535" cy="772869"/>
-          </a:xfrm>
-          <a:prstGeom prst="straightConnector1">
-            <a:avLst/>
-          </a:prstGeom>
-          <a:ln w="19050">
-            <a:solidFill>
-              <a:schemeClr val="tx1"/>
-            </a:solidFill>
-            <a:tailEnd type="arrow"/>
-          </a:ln>
-        </p:spPr>
-        <p:style>
-          <a:lnRef idx="1">
-            <a:schemeClr val="accent1"/>
-          </a:lnRef>
-          <a:fillRef idx="0">
-            <a:schemeClr val="accent1"/>
-          </a:fillRef>
-          <a:effectRef idx="0">
-            <a:schemeClr val="accent1"/>
-          </a:effectRef>
-          <a:fontRef idx="minor">
-            <a:schemeClr val="tx1"/>
-          </a:fontRef>
-        </p:style>
-      </p:cxnSp>
-      <p:cxnSp>
-        <p:nvCxnSpPr>
-          <p:cNvPr id="60" name="직선 화살표 연결선 59">
-            <a:extLst>
-              <a:ext uri="{FF2B5EF4-FFF2-40B4-BE49-F238E27FC236}">
-                <a16:creationId xmlns:a16="http://schemas.microsoft.com/office/drawing/2014/main" id="{D46D2952-6981-4FED-8B1F-50F2D12C9E39}"/>
-              </a:ext>
-            </a:extLst>
-          </p:cNvPr>
-          <p:cNvCxnSpPr/>
-          <p:nvPr/>
-        </p:nvCxnSpPr>
-        <p:spPr>
-          <a:xfrm flipV="1">
-            <a:off x="9815539" y="2965938"/>
-            <a:ext cx="473535" cy="831794"/>
-          </a:xfrm>
-          <a:prstGeom prst="straightConnector1">
-            <a:avLst/>
-          </a:prstGeom>
-          <a:ln w="19050">
-            <a:solidFill>
-              <a:schemeClr val="tx1"/>
-            </a:solidFill>
-            <a:tailEnd type="arrow"/>
-          </a:ln>
-        </p:spPr>
-        <p:style>
-          <a:lnRef idx="1">
-            <a:schemeClr val="accent1"/>
-          </a:lnRef>
-          <a:fillRef idx="0">
-            <a:schemeClr val="accent1"/>
-          </a:fillRef>
-          <a:effectRef idx="0">
-            <a:schemeClr val="accent1"/>
-          </a:effectRef>
-          <a:fontRef idx="minor">
-            <a:schemeClr val="tx1"/>
-          </a:fontRef>
-        </p:style>
-      </p:cxnSp>
       <p:sp>
         <p:nvSpPr>
           <p:cNvPr id="65" name="TextBox 64">
@@ -5645,150 +4766,6 @@
         <p:spPr>
           <a:xfrm>
             <a:off x="8027219" y="2897623"/>
-            <a:ext cx="540533" cy="369332"/>
-          </a:xfrm>
-          <a:prstGeom prst="rect">
-            <a:avLst/>
-          </a:prstGeom>
-          <a:noFill/>
-        </p:spPr>
-        <p:txBody>
-          <a:bodyPr wrap="none" rtlCol="0">
-            <a:spAutoFit/>
-          </a:bodyPr>
-          <a:lstStyle/>
-          <a:p>
-            <a:r>
-              <a:rPr lang="en-US" altLang="ko-KR" dirty="0"/>
-              <a:t>0..1</a:t>
-            </a:r>
-            <a:endParaRPr lang="ko-KR" altLang="en-US" dirty="0"/>
-          </a:p>
-        </p:txBody>
-      </p:sp>
-      <p:sp>
-        <p:nvSpPr>
-          <p:cNvPr id="77" name="TextBox 76">
-            <a:extLst>
-              <a:ext uri="{FF2B5EF4-FFF2-40B4-BE49-F238E27FC236}">
-                <a16:creationId xmlns:a16="http://schemas.microsoft.com/office/drawing/2014/main" id="{5986D796-4D38-47CD-877E-6F3FF6C72D9D}"/>
-              </a:ext>
-            </a:extLst>
-          </p:cNvPr>
-          <p:cNvSpPr txBox="1"/>
-          <p:nvPr/>
-        </p:nvSpPr>
-        <p:spPr>
-          <a:xfrm>
-            <a:off x="9747229" y="2824873"/>
-            <a:ext cx="540533" cy="369332"/>
-          </a:xfrm>
-          <a:prstGeom prst="rect">
-            <a:avLst/>
-          </a:prstGeom>
-          <a:noFill/>
-        </p:spPr>
-        <p:txBody>
-          <a:bodyPr wrap="none" rtlCol="0">
-            <a:spAutoFit/>
-          </a:bodyPr>
-          <a:lstStyle/>
-          <a:p>
-            <a:r>
-              <a:rPr lang="en-US" altLang="ko-KR" dirty="0"/>
-              <a:t>0..1</a:t>
-            </a:r>
-            <a:endParaRPr lang="ko-KR" altLang="en-US" dirty="0"/>
-          </a:p>
-        </p:txBody>
-      </p:sp>
-      <p:sp>
-        <p:nvSpPr>
-          <p:cNvPr id="78" name="TextBox 77">
-            <a:extLst>
-              <a:ext uri="{FF2B5EF4-FFF2-40B4-BE49-F238E27FC236}">
-                <a16:creationId xmlns:a16="http://schemas.microsoft.com/office/drawing/2014/main" id="{564D6E95-A74C-4B4B-A9B1-FFC5FB1B2D5D}"/>
-              </a:ext>
-            </a:extLst>
-          </p:cNvPr>
-          <p:cNvSpPr txBox="1"/>
-          <p:nvPr/>
-        </p:nvSpPr>
-        <p:spPr>
-          <a:xfrm>
-            <a:off x="9931963" y="3450240"/>
-            <a:ext cx="540533" cy="369332"/>
-          </a:xfrm>
-          <a:prstGeom prst="rect">
-            <a:avLst/>
-          </a:prstGeom>
-          <a:noFill/>
-        </p:spPr>
-        <p:txBody>
-          <a:bodyPr wrap="none" rtlCol="0">
-            <a:spAutoFit/>
-          </a:bodyPr>
-          <a:lstStyle/>
-          <a:p>
-            <a:r>
-              <a:rPr lang="en-US" altLang="ko-KR" dirty="0"/>
-              <a:t>0..1</a:t>
-            </a:r>
-            <a:endParaRPr lang="ko-KR" altLang="en-US" dirty="0"/>
-          </a:p>
-        </p:txBody>
-      </p:sp>
-      <p:sp>
-        <p:nvSpPr>
-          <p:cNvPr id="79" name="TextBox 78">
-            <a:extLst>
-              <a:ext uri="{FF2B5EF4-FFF2-40B4-BE49-F238E27FC236}">
-                <a16:creationId xmlns:a16="http://schemas.microsoft.com/office/drawing/2014/main" id="{5352B367-BB04-4D86-8D39-731C910A0814}"/>
-              </a:ext>
-            </a:extLst>
-          </p:cNvPr>
-          <p:cNvSpPr txBox="1"/>
-          <p:nvPr/>
-        </p:nvSpPr>
-        <p:spPr>
-          <a:xfrm>
-            <a:off x="10196682" y="4184166"/>
-            <a:ext cx="540533" cy="369332"/>
-          </a:xfrm>
-          <a:prstGeom prst="rect">
-            <a:avLst/>
-          </a:prstGeom>
-          <a:noFill/>
-        </p:spPr>
-        <p:txBody>
-          <a:bodyPr wrap="none" rtlCol="0">
-            <a:spAutoFit/>
-          </a:bodyPr>
-          <a:lstStyle/>
-          <a:p>
-            <a:r>
-              <a:rPr lang="en-US" altLang="ko-KR" dirty="0"/>
-              <a:t>0..1</a:t>
-            </a:r>
-            <a:endParaRPr lang="ko-KR" altLang="en-US" dirty="0"/>
-          </a:p>
-        </p:txBody>
-      </p:sp>
-      <p:sp>
-        <p:nvSpPr>
-          <p:cNvPr id="80" name="TextBox 79">
-            <a:extLst>
-              <a:ext uri="{FF2B5EF4-FFF2-40B4-BE49-F238E27FC236}">
-                <a16:creationId xmlns:a16="http://schemas.microsoft.com/office/drawing/2014/main" id="{6DE2FC1E-BF14-4C86-A869-65009C758998}"/>
-              </a:ext>
-            </a:extLst>
-          </p:cNvPr>
-          <p:cNvSpPr txBox="1"/>
-          <p:nvPr/>
-        </p:nvSpPr>
-        <p:spPr>
-          <a:xfrm>
-            <a:off x="9740012" y="5541951"/>
             <a:ext cx="540533" cy="369332"/>
           </a:xfrm>
           <a:prstGeom prst="rect">
